--- a/ppt 16-9/0651.献上感恩.pptx
+++ b/ppt 16-9/0651.献上感恩.pptx
@@ -129,7 +129,7 @@
           <p:cNvPr id="2" name="标题 1">
             <a:extLst>
               <a:ext uri="{FF2B5EF4-FFF2-40B4-BE49-F238E27FC236}">
-                <a16:creationId xmlns:a16="http://schemas.microsoft.com/office/drawing/2014/main" id="{88A06FCE-B7DB-814A-1262-75E61A9C10A7}"/>
+                <a16:creationId xmlns:a16="http://schemas.microsoft.com/office/drawing/2014/main" id="{70A33245-E1CE-61E8-7D9B-C371B64F37BC}"/>
               </a:ext>
             </a:extLst>
           </p:cNvPr>
@@ -166,7 +166,7 @@
           <p:cNvPr id="3" name="副标题 2">
             <a:extLst>
               <a:ext uri="{FF2B5EF4-FFF2-40B4-BE49-F238E27FC236}">
-                <a16:creationId xmlns:a16="http://schemas.microsoft.com/office/drawing/2014/main" id="{9D30B6F3-A483-9941-1585-ACE8CC02FBCC}"/>
+                <a16:creationId xmlns:a16="http://schemas.microsoft.com/office/drawing/2014/main" id="{7F2E4EFA-C474-47AA-DE90-00E1DEC65DCB}"/>
               </a:ext>
             </a:extLst>
           </p:cNvPr>
@@ -236,7 +236,7 @@
           <p:cNvPr id="4" name="日期占位符 3">
             <a:extLst>
               <a:ext uri="{FF2B5EF4-FFF2-40B4-BE49-F238E27FC236}">
-                <a16:creationId xmlns:a16="http://schemas.microsoft.com/office/drawing/2014/main" id="{9E8432F9-0AD7-7D6E-EBFC-EA838F4BF047}"/>
+                <a16:creationId xmlns:a16="http://schemas.microsoft.com/office/drawing/2014/main" id="{32331E54-C9DF-CDD6-64FC-4449B79DB13F}"/>
               </a:ext>
             </a:extLst>
           </p:cNvPr>
@@ -252,7 +252,7 @@
           <a:bodyPr/>
           <a:lstStyle/>
           <a:p>
-            <a:fld id="{CC195592-56F2-4950-B032-8A635D3BA43E}" type="datetimeFigureOut">
+            <a:fld id="{B83BAC58-4BE8-43CF-A2B4-D7A9BB066BAB}" type="datetimeFigureOut">
               <a:rPr lang="zh-CN" altLang="en-US" smtClean="0"/>
               <a:t>2024/3/10</a:t>
             </a:fld>
@@ -265,7 +265,7 @@
           <p:cNvPr id="5" name="页脚占位符 4">
             <a:extLst>
               <a:ext uri="{FF2B5EF4-FFF2-40B4-BE49-F238E27FC236}">
-                <a16:creationId xmlns:a16="http://schemas.microsoft.com/office/drawing/2014/main" id="{D1660B4E-97FD-1EA3-38AD-96FF9F82B616}"/>
+                <a16:creationId xmlns:a16="http://schemas.microsoft.com/office/drawing/2014/main" id="{9F44EBC6-AC81-C879-A90D-32AB6F4C1251}"/>
               </a:ext>
             </a:extLst>
           </p:cNvPr>
@@ -290,7 +290,7 @@
           <p:cNvPr id="6" name="灯片编号占位符 5">
             <a:extLst>
               <a:ext uri="{FF2B5EF4-FFF2-40B4-BE49-F238E27FC236}">
-                <a16:creationId xmlns:a16="http://schemas.microsoft.com/office/drawing/2014/main" id="{439C0B12-908A-644E-9E10-452CAFBE6360}"/>
+                <a16:creationId xmlns:a16="http://schemas.microsoft.com/office/drawing/2014/main" id="{D9623441-3FCB-FF3B-589D-C1700F5CD9AE}"/>
               </a:ext>
             </a:extLst>
           </p:cNvPr>
@@ -306,7 +306,7 @@
           <a:bodyPr/>
           <a:lstStyle/>
           <a:p>
-            <a:fld id="{89B7F488-8752-483A-883B-AD3FAFAEADA3}" type="slidenum">
+            <a:fld id="{C154C4CC-B7AF-4156-AC05-69D50C3C92A1}" type="slidenum">
               <a:rPr lang="zh-CN" altLang="en-US" smtClean="0"/>
               <a:t>‹#›</a:t>
             </a:fld>
@@ -317,7 +317,7 @@
     </p:spTree>
     <p:extLst>
       <p:ext uri="{BB962C8B-B14F-4D97-AF65-F5344CB8AC3E}">
-        <p14:creationId xmlns:p14="http://schemas.microsoft.com/office/powerpoint/2010/main" val="2969357575"/>
+        <p14:creationId xmlns:p14="http://schemas.microsoft.com/office/powerpoint/2010/main" val="475296186"/>
       </p:ext>
     </p:extLst>
   </p:cSld>
@@ -349,7 +349,7 @@
           <p:cNvPr id="2" name="标题 1">
             <a:extLst>
               <a:ext uri="{FF2B5EF4-FFF2-40B4-BE49-F238E27FC236}">
-                <a16:creationId xmlns:a16="http://schemas.microsoft.com/office/drawing/2014/main" id="{8E235463-46E3-46FF-E3C3-8BE338C0243C}"/>
+                <a16:creationId xmlns:a16="http://schemas.microsoft.com/office/drawing/2014/main" id="{63EDDF51-BBAF-B244-F67B-7C9B86CD4933}"/>
               </a:ext>
             </a:extLst>
           </p:cNvPr>
@@ -377,7 +377,7 @@
           <p:cNvPr id="3" name="竖排文字占位符 2">
             <a:extLst>
               <a:ext uri="{FF2B5EF4-FFF2-40B4-BE49-F238E27FC236}">
-                <a16:creationId xmlns:a16="http://schemas.microsoft.com/office/drawing/2014/main" id="{0FC88784-B50B-D41B-F2D2-32718C62AAB8}"/>
+                <a16:creationId xmlns:a16="http://schemas.microsoft.com/office/drawing/2014/main" id="{511AAD0F-36C8-90CD-3159-22469A68B56C}"/>
               </a:ext>
             </a:extLst>
           </p:cNvPr>
@@ -434,7 +434,7 @@
           <p:cNvPr id="4" name="日期占位符 3">
             <a:extLst>
               <a:ext uri="{FF2B5EF4-FFF2-40B4-BE49-F238E27FC236}">
-                <a16:creationId xmlns:a16="http://schemas.microsoft.com/office/drawing/2014/main" id="{E49F2D16-AFA8-80AA-6D30-5688C193FC3F}"/>
+                <a16:creationId xmlns:a16="http://schemas.microsoft.com/office/drawing/2014/main" id="{2578C64E-7701-F97A-06E3-46D3E46188B7}"/>
               </a:ext>
             </a:extLst>
           </p:cNvPr>
@@ -450,7 +450,7 @@
           <a:bodyPr/>
           <a:lstStyle/>
           <a:p>
-            <a:fld id="{CC195592-56F2-4950-B032-8A635D3BA43E}" type="datetimeFigureOut">
+            <a:fld id="{B83BAC58-4BE8-43CF-A2B4-D7A9BB066BAB}" type="datetimeFigureOut">
               <a:rPr lang="zh-CN" altLang="en-US" smtClean="0"/>
               <a:t>2024/3/10</a:t>
             </a:fld>
@@ -463,7 +463,7 @@
           <p:cNvPr id="5" name="页脚占位符 4">
             <a:extLst>
               <a:ext uri="{FF2B5EF4-FFF2-40B4-BE49-F238E27FC236}">
-                <a16:creationId xmlns:a16="http://schemas.microsoft.com/office/drawing/2014/main" id="{9E4239BA-DAC3-3178-A8EA-7A7422F2B7A1}"/>
+                <a16:creationId xmlns:a16="http://schemas.microsoft.com/office/drawing/2014/main" id="{1ACAC5F1-CF67-C7A5-9812-810D947AE14A}"/>
               </a:ext>
             </a:extLst>
           </p:cNvPr>
@@ -488,7 +488,7 @@
           <p:cNvPr id="6" name="灯片编号占位符 5">
             <a:extLst>
               <a:ext uri="{FF2B5EF4-FFF2-40B4-BE49-F238E27FC236}">
-                <a16:creationId xmlns:a16="http://schemas.microsoft.com/office/drawing/2014/main" id="{CC453013-2D5C-BE0F-C67A-4FAD9FBEF229}"/>
+                <a16:creationId xmlns:a16="http://schemas.microsoft.com/office/drawing/2014/main" id="{FBA09F30-C0D4-B060-2FC9-EEAFE36A4DED}"/>
               </a:ext>
             </a:extLst>
           </p:cNvPr>
@@ -504,7 +504,7 @@
           <a:bodyPr/>
           <a:lstStyle/>
           <a:p>
-            <a:fld id="{89B7F488-8752-483A-883B-AD3FAFAEADA3}" type="slidenum">
+            <a:fld id="{C154C4CC-B7AF-4156-AC05-69D50C3C92A1}" type="slidenum">
               <a:rPr lang="zh-CN" altLang="en-US" smtClean="0"/>
               <a:t>‹#›</a:t>
             </a:fld>
@@ -515,7 +515,7 @@
     </p:spTree>
     <p:extLst>
       <p:ext uri="{BB962C8B-B14F-4D97-AF65-F5344CB8AC3E}">
-        <p14:creationId xmlns:p14="http://schemas.microsoft.com/office/powerpoint/2010/main" val="2617112136"/>
+        <p14:creationId xmlns:p14="http://schemas.microsoft.com/office/powerpoint/2010/main" val="1969688152"/>
       </p:ext>
     </p:extLst>
   </p:cSld>
@@ -547,7 +547,7 @@
           <p:cNvPr id="2" name="竖排标题 1">
             <a:extLst>
               <a:ext uri="{FF2B5EF4-FFF2-40B4-BE49-F238E27FC236}">
-                <a16:creationId xmlns:a16="http://schemas.microsoft.com/office/drawing/2014/main" id="{3EDCA2F1-C697-3B14-FBE7-8E1F3DFD7EA9}"/>
+                <a16:creationId xmlns:a16="http://schemas.microsoft.com/office/drawing/2014/main" id="{564FC163-392D-EC25-2037-895958EC2A45}"/>
               </a:ext>
             </a:extLst>
           </p:cNvPr>
@@ -580,7 +580,7 @@
           <p:cNvPr id="3" name="竖排文字占位符 2">
             <a:extLst>
               <a:ext uri="{FF2B5EF4-FFF2-40B4-BE49-F238E27FC236}">
-                <a16:creationId xmlns:a16="http://schemas.microsoft.com/office/drawing/2014/main" id="{4830E9C2-A4C7-071E-F350-4599B03A0B8B}"/>
+                <a16:creationId xmlns:a16="http://schemas.microsoft.com/office/drawing/2014/main" id="{AF85373C-93D6-F24A-6977-D0B1FAB538B3}"/>
               </a:ext>
             </a:extLst>
           </p:cNvPr>
@@ -642,7 +642,7 @@
           <p:cNvPr id="4" name="日期占位符 3">
             <a:extLst>
               <a:ext uri="{FF2B5EF4-FFF2-40B4-BE49-F238E27FC236}">
-                <a16:creationId xmlns:a16="http://schemas.microsoft.com/office/drawing/2014/main" id="{85A96931-8498-53EC-492B-517CBB750222}"/>
+                <a16:creationId xmlns:a16="http://schemas.microsoft.com/office/drawing/2014/main" id="{0BD23494-479C-59B9-D440-042E209BBBF8}"/>
               </a:ext>
             </a:extLst>
           </p:cNvPr>
@@ -658,7 +658,7 @@
           <a:bodyPr/>
           <a:lstStyle/>
           <a:p>
-            <a:fld id="{CC195592-56F2-4950-B032-8A635D3BA43E}" type="datetimeFigureOut">
+            <a:fld id="{B83BAC58-4BE8-43CF-A2B4-D7A9BB066BAB}" type="datetimeFigureOut">
               <a:rPr lang="zh-CN" altLang="en-US" smtClean="0"/>
               <a:t>2024/3/10</a:t>
             </a:fld>
@@ -671,7 +671,7 @@
           <p:cNvPr id="5" name="页脚占位符 4">
             <a:extLst>
               <a:ext uri="{FF2B5EF4-FFF2-40B4-BE49-F238E27FC236}">
-                <a16:creationId xmlns:a16="http://schemas.microsoft.com/office/drawing/2014/main" id="{6FF48DB8-7D20-EC59-6DA8-3247132125DA}"/>
+                <a16:creationId xmlns:a16="http://schemas.microsoft.com/office/drawing/2014/main" id="{8AFDD1E1-A37E-A6D6-176F-023408178DBE}"/>
               </a:ext>
             </a:extLst>
           </p:cNvPr>
@@ -696,7 +696,7 @@
           <p:cNvPr id="6" name="灯片编号占位符 5">
             <a:extLst>
               <a:ext uri="{FF2B5EF4-FFF2-40B4-BE49-F238E27FC236}">
-                <a16:creationId xmlns:a16="http://schemas.microsoft.com/office/drawing/2014/main" id="{58F3D23A-3DA9-BB32-2512-726FD23372F1}"/>
+                <a16:creationId xmlns:a16="http://schemas.microsoft.com/office/drawing/2014/main" id="{115CFA19-AB55-9D18-2EDF-AE533D265793}"/>
               </a:ext>
             </a:extLst>
           </p:cNvPr>
@@ -712,7 +712,7 @@
           <a:bodyPr/>
           <a:lstStyle/>
           <a:p>
-            <a:fld id="{89B7F488-8752-483A-883B-AD3FAFAEADA3}" type="slidenum">
+            <a:fld id="{C154C4CC-B7AF-4156-AC05-69D50C3C92A1}" type="slidenum">
               <a:rPr lang="zh-CN" altLang="en-US" smtClean="0"/>
               <a:t>‹#›</a:t>
             </a:fld>
@@ -723,7 +723,7 @@
     </p:spTree>
     <p:extLst>
       <p:ext uri="{BB962C8B-B14F-4D97-AF65-F5344CB8AC3E}">
-        <p14:creationId xmlns:p14="http://schemas.microsoft.com/office/powerpoint/2010/main" val="3740569543"/>
+        <p14:creationId xmlns:p14="http://schemas.microsoft.com/office/powerpoint/2010/main" val="1875717523"/>
       </p:ext>
     </p:extLst>
   </p:cSld>
@@ -755,7 +755,7 @@
           <p:cNvPr id="2" name="标题 1">
             <a:extLst>
               <a:ext uri="{FF2B5EF4-FFF2-40B4-BE49-F238E27FC236}">
-                <a16:creationId xmlns:a16="http://schemas.microsoft.com/office/drawing/2014/main" id="{1EB71DA8-2963-93CF-D62F-1B52C52566AB}"/>
+                <a16:creationId xmlns:a16="http://schemas.microsoft.com/office/drawing/2014/main" id="{4998A4B9-54CB-3D6C-099C-D4501632D6C1}"/>
               </a:ext>
             </a:extLst>
           </p:cNvPr>
@@ -783,7 +783,7 @@
           <p:cNvPr id="3" name="内容占位符 2">
             <a:extLst>
               <a:ext uri="{FF2B5EF4-FFF2-40B4-BE49-F238E27FC236}">
-                <a16:creationId xmlns:a16="http://schemas.microsoft.com/office/drawing/2014/main" id="{4E73AC9A-1023-579E-685E-8294D10BC20A}"/>
+                <a16:creationId xmlns:a16="http://schemas.microsoft.com/office/drawing/2014/main" id="{0003D9E3-9699-409E-1F41-F570DD2B4810}"/>
               </a:ext>
             </a:extLst>
           </p:cNvPr>
@@ -840,7 +840,7 @@
           <p:cNvPr id="4" name="日期占位符 3">
             <a:extLst>
               <a:ext uri="{FF2B5EF4-FFF2-40B4-BE49-F238E27FC236}">
-                <a16:creationId xmlns:a16="http://schemas.microsoft.com/office/drawing/2014/main" id="{6401D858-7E99-A4CB-0124-71C0E6C76553}"/>
+                <a16:creationId xmlns:a16="http://schemas.microsoft.com/office/drawing/2014/main" id="{FA676592-0194-8118-451F-EA1AE3760E82}"/>
               </a:ext>
             </a:extLst>
           </p:cNvPr>
@@ -856,7 +856,7 @@
           <a:bodyPr/>
           <a:lstStyle/>
           <a:p>
-            <a:fld id="{CC195592-56F2-4950-B032-8A635D3BA43E}" type="datetimeFigureOut">
+            <a:fld id="{B83BAC58-4BE8-43CF-A2B4-D7A9BB066BAB}" type="datetimeFigureOut">
               <a:rPr lang="zh-CN" altLang="en-US" smtClean="0"/>
               <a:t>2024/3/10</a:t>
             </a:fld>
@@ -869,7 +869,7 @@
           <p:cNvPr id="5" name="页脚占位符 4">
             <a:extLst>
               <a:ext uri="{FF2B5EF4-FFF2-40B4-BE49-F238E27FC236}">
-                <a16:creationId xmlns:a16="http://schemas.microsoft.com/office/drawing/2014/main" id="{3CD4C48C-A5AC-04C2-0B2D-952E0FAE44B0}"/>
+                <a16:creationId xmlns:a16="http://schemas.microsoft.com/office/drawing/2014/main" id="{CD173A0E-73BA-8A55-55D9-B8C0151E0B51}"/>
               </a:ext>
             </a:extLst>
           </p:cNvPr>
@@ -894,7 +894,7 @@
           <p:cNvPr id="6" name="灯片编号占位符 5">
             <a:extLst>
               <a:ext uri="{FF2B5EF4-FFF2-40B4-BE49-F238E27FC236}">
-                <a16:creationId xmlns:a16="http://schemas.microsoft.com/office/drawing/2014/main" id="{D7C7858A-D687-0935-9C17-04F16A2A3CF4}"/>
+                <a16:creationId xmlns:a16="http://schemas.microsoft.com/office/drawing/2014/main" id="{2508C080-ADD4-79BC-BDD7-6E5BFA1742C7}"/>
               </a:ext>
             </a:extLst>
           </p:cNvPr>
@@ -910,7 +910,7 @@
           <a:bodyPr/>
           <a:lstStyle/>
           <a:p>
-            <a:fld id="{89B7F488-8752-483A-883B-AD3FAFAEADA3}" type="slidenum">
+            <a:fld id="{C154C4CC-B7AF-4156-AC05-69D50C3C92A1}" type="slidenum">
               <a:rPr lang="zh-CN" altLang="en-US" smtClean="0"/>
               <a:t>‹#›</a:t>
             </a:fld>
@@ -921,7 +921,7 @@
     </p:spTree>
     <p:extLst>
       <p:ext uri="{BB962C8B-B14F-4D97-AF65-F5344CB8AC3E}">
-        <p14:creationId xmlns:p14="http://schemas.microsoft.com/office/powerpoint/2010/main" val="2666768597"/>
+        <p14:creationId xmlns:p14="http://schemas.microsoft.com/office/powerpoint/2010/main" val="2546706850"/>
       </p:ext>
     </p:extLst>
   </p:cSld>
@@ -953,7 +953,7 @@
           <p:cNvPr id="2" name="标题 1">
             <a:extLst>
               <a:ext uri="{FF2B5EF4-FFF2-40B4-BE49-F238E27FC236}">
-                <a16:creationId xmlns:a16="http://schemas.microsoft.com/office/drawing/2014/main" id="{B0340003-8738-C9BA-AE4D-11E723F2C507}"/>
+                <a16:creationId xmlns:a16="http://schemas.microsoft.com/office/drawing/2014/main" id="{56C0E166-E756-EE65-3859-9175A981D166}"/>
               </a:ext>
             </a:extLst>
           </p:cNvPr>
@@ -990,7 +990,7 @@
           <p:cNvPr id="3" name="文本占位符 2">
             <a:extLst>
               <a:ext uri="{FF2B5EF4-FFF2-40B4-BE49-F238E27FC236}">
-                <a16:creationId xmlns:a16="http://schemas.microsoft.com/office/drawing/2014/main" id="{315E26C9-E307-8AAF-6E78-B099EA0647F2}"/>
+                <a16:creationId xmlns:a16="http://schemas.microsoft.com/office/drawing/2014/main" id="{334219EF-C41B-ECB8-E051-8A0122A8106D}"/>
               </a:ext>
             </a:extLst>
           </p:cNvPr>
@@ -1115,7 +1115,7 @@
           <p:cNvPr id="4" name="日期占位符 3">
             <a:extLst>
               <a:ext uri="{FF2B5EF4-FFF2-40B4-BE49-F238E27FC236}">
-                <a16:creationId xmlns:a16="http://schemas.microsoft.com/office/drawing/2014/main" id="{DFBCA7C1-CA07-BAC2-4637-EAD95CE2AF95}"/>
+                <a16:creationId xmlns:a16="http://schemas.microsoft.com/office/drawing/2014/main" id="{7836DC2B-4966-7690-CE38-80DBDE36C9B4}"/>
               </a:ext>
             </a:extLst>
           </p:cNvPr>
@@ -1131,7 +1131,7 @@
           <a:bodyPr/>
           <a:lstStyle/>
           <a:p>
-            <a:fld id="{CC195592-56F2-4950-B032-8A635D3BA43E}" type="datetimeFigureOut">
+            <a:fld id="{B83BAC58-4BE8-43CF-A2B4-D7A9BB066BAB}" type="datetimeFigureOut">
               <a:rPr lang="zh-CN" altLang="en-US" smtClean="0"/>
               <a:t>2024/3/10</a:t>
             </a:fld>
@@ -1144,7 +1144,7 @@
           <p:cNvPr id="5" name="页脚占位符 4">
             <a:extLst>
               <a:ext uri="{FF2B5EF4-FFF2-40B4-BE49-F238E27FC236}">
-                <a16:creationId xmlns:a16="http://schemas.microsoft.com/office/drawing/2014/main" id="{9D14E00C-D0F2-F4A6-5765-96FD34A124D0}"/>
+                <a16:creationId xmlns:a16="http://schemas.microsoft.com/office/drawing/2014/main" id="{67196EB5-39E6-2EAD-2260-0D0E8A55DBC4}"/>
               </a:ext>
             </a:extLst>
           </p:cNvPr>
@@ -1169,7 +1169,7 @@
           <p:cNvPr id="6" name="灯片编号占位符 5">
             <a:extLst>
               <a:ext uri="{FF2B5EF4-FFF2-40B4-BE49-F238E27FC236}">
-                <a16:creationId xmlns:a16="http://schemas.microsoft.com/office/drawing/2014/main" id="{56819378-1097-DAED-C767-02936B74A7D3}"/>
+                <a16:creationId xmlns:a16="http://schemas.microsoft.com/office/drawing/2014/main" id="{43669B68-CE88-4F34-097E-1E30DE07A913}"/>
               </a:ext>
             </a:extLst>
           </p:cNvPr>
@@ -1185,7 +1185,7 @@
           <a:bodyPr/>
           <a:lstStyle/>
           <a:p>
-            <a:fld id="{89B7F488-8752-483A-883B-AD3FAFAEADA3}" type="slidenum">
+            <a:fld id="{C154C4CC-B7AF-4156-AC05-69D50C3C92A1}" type="slidenum">
               <a:rPr lang="zh-CN" altLang="en-US" smtClean="0"/>
               <a:t>‹#›</a:t>
             </a:fld>
@@ -1196,7 +1196,7 @@
     </p:spTree>
     <p:extLst>
       <p:ext uri="{BB962C8B-B14F-4D97-AF65-F5344CB8AC3E}">
-        <p14:creationId xmlns:p14="http://schemas.microsoft.com/office/powerpoint/2010/main" val="2305334600"/>
+        <p14:creationId xmlns:p14="http://schemas.microsoft.com/office/powerpoint/2010/main" val="1617678644"/>
       </p:ext>
     </p:extLst>
   </p:cSld>
@@ -1228,7 +1228,7 @@
           <p:cNvPr id="2" name="标题 1">
             <a:extLst>
               <a:ext uri="{FF2B5EF4-FFF2-40B4-BE49-F238E27FC236}">
-                <a16:creationId xmlns:a16="http://schemas.microsoft.com/office/drawing/2014/main" id="{510C255B-1656-996A-872B-FD24990A2AD3}"/>
+                <a16:creationId xmlns:a16="http://schemas.microsoft.com/office/drawing/2014/main" id="{9666EDFF-8AB9-F200-3F7B-8B9E0D79699D}"/>
               </a:ext>
             </a:extLst>
           </p:cNvPr>
@@ -1256,7 +1256,7 @@
           <p:cNvPr id="3" name="内容占位符 2">
             <a:extLst>
               <a:ext uri="{FF2B5EF4-FFF2-40B4-BE49-F238E27FC236}">
-                <a16:creationId xmlns:a16="http://schemas.microsoft.com/office/drawing/2014/main" id="{38EAF672-184C-F5A1-2990-D1B0C94F6412}"/>
+                <a16:creationId xmlns:a16="http://schemas.microsoft.com/office/drawing/2014/main" id="{B9FC1742-ABF9-6061-D581-3B1B16CE9788}"/>
               </a:ext>
             </a:extLst>
           </p:cNvPr>
@@ -1318,7 +1318,7 @@
           <p:cNvPr id="4" name="内容占位符 3">
             <a:extLst>
               <a:ext uri="{FF2B5EF4-FFF2-40B4-BE49-F238E27FC236}">
-                <a16:creationId xmlns:a16="http://schemas.microsoft.com/office/drawing/2014/main" id="{B578A0EA-3C22-3028-4FE4-71AA8C2FD2BF}"/>
+                <a16:creationId xmlns:a16="http://schemas.microsoft.com/office/drawing/2014/main" id="{46A5BFCA-2C83-F481-2542-16F457DF06AB}"/>
               </a:ext>
             </a:extLst>
           </p:cNvPr>
@@ -1380,7 +1380,7 @@
           <p:cNvPr id="5" name="日期占位符 4">
             <a:extLst>
               <a:ext uri="{FF2B5EF4-FFF2-40B4-BE49-F238E27FC236}">
-                <a16:creationId xmlns:a16="http://schemas.microsoft.com/office/drawing/2014/main" id="{D65B9D05-F810-18E5-BF06-EDA8DE245363}"/>
+                <a16:creationId xmlns:a16="http://schemas.microsoft.com/office/drawing/2014/main" id="{FACBC375-995E-C2E3-1176-0DDBCB6A43DE}"/>
               </a:ext>
             </a:extLst>
           </p:cNvPr>
@@ -1396,7 +1396,7 @@
           <a:bodyPr/>
           <a:lstStyle/>
           <a:p>
-            <a:fld id="{CC195592-56F2-4950-B032-8A635D3BA43E}" type="datetimeFigureOut">
+            <a:fld id="{B83BAC58-4BE8-43CF-A2B4-D7A9BB066BAB}" type="datetimeFigureOut">
               <a:rPr lang="zh-CN" altLang="en-US" smtClean="0"/>
               <a:t>2024/3/10</a:t>
             </a:fld>
@@ -1409,7 +1409,7 @@
           <p:cNvPr id="6" name="页脚占位符 5">
             <a:extLst>
               <a:ext uri="{FF2B5EF4-FFF2-40B4-BE49-F238E27FC236}">
-                <a16:creationId xmlns:a16="http://schemas.microsoft.com/office/drawing/2014/main" id="{69C794ED-2EE0-F0AE-D391-F2A5E1DD2390}"/>
+                <a16:creationId xmlns:a16="http://schemas.microsoft.com/office/drawing/2014/main" id="{16C408EF-EF5F-F230-FEC4-B6B788D911B9}"/>
               </a:ext>
             </a:extLst>
           </p:cNvPr>
@@ -1434,7 +1434,7 @@
           <p:cNvPr id="7" name="灯片编号占位符 6">
             <a:extLst>
               <a:ext uri="{FF2B5EF4-FFF2-40B4-BE49-F238E27FC236}">
-                <a16:creationId xmlns:a16="http://schemas.microsoft.com/office/drawing/2014/main" id="{971F373B-C63B-DAA5-A06E-1E51DEAC5220}"/>
+                <a16:creationId xmlns:a16="http://schemas.microsoft.com/office/drawing/2014/main" id="{48AD9946-3CC0-CDA2-991E-93E729AE68EB}"/>
               </a:ext>
             </a:extLst>
           </p:cNvPr>
@@ -1450,7 +1450,7 @@
           <a:bodyPr/>
           <a:lstStyle/>
           <a:p>
-            <a:fld id="{89B7F488-8752-483A-883B-AD3FAFAEADA3}" type="slidenum">
+            <a:fld id="{C154C4CC-B7AF-4156-AC05-69D50C3C92A1}" type="slidenum">
               <a:rPr lang="zh-CN" altLang="en-US" smtClean="0"/>
               <a:t>‹#›</a:t>
             </a:fld>
@@ -1461,7 +1461,7 @@
     </p:spTree>
     <p:extLst>
       <p:ext uri="{BB962C8B-B14F-4D97-AF65-F5344CB8AC3E}">
-        <p14:creationId xmlns:p14="http://schemas.microsoft.com/office/powerpoint/2010/main" val="1085131746"/>
+        <p14:creationId xmlns:p14="http://schemas.microsoft.com/office/powerpoint/2010/main" val="347113627"/>
       </p:ext>
     </p:extLst>
   </p:cSld>
@@ -1493,7 +1493,7 @@
           <p:cNvPr id="2" name="标题 1">
             <a:extLst>
               <a:ext uri="{FF2B5EF4-FFF2-40B4-BE49-F238E27FC236}">
-                <a16:creationId xmlns:a16="http://schemas.microsoft.com/office/drawing/2014/main" id="{4F75C46B-09CD-4849-4C47-06CBB6FBDAF3}"/>
+                <a16:creationId xmlns:a16="http://schemas.microsoft.com/office/drawing/2014/main" id="{BA38B2C2-C182-DF3C-5434-B95C18FEF277}"/>
               </a:ext>
             </a:extLst>
           </p:cNvPr>
@@ -1526,7 +1526,7 @@
           <p:cNvPr id="3" name="文本占位符 2">
             <a:extLst>
               <a:ext uri="{FF2B5EF4-FFF2-40B4-BE49-F238E27FC236}">
-                <a16:creationId xmlns:a16="http://schemas.microsoft.com/office/drawing/2014/main" id="{FF8993F6-68CB-B5CF-25E4-81E2355B36D5}"/>
+                <a16:creationId xmlns:a16="http://schemas.microsoft.com/office/drawing/2014/main" id="{33687B82-984A-DCB8-0207-240E5A78816E}"/>
               </a:ext>
             </a:extLst>
           </p:cNvPr>
@@ -1597,7 +1597,7 @@
           <p:cNvPr id="4" name="内容占位符 3">
             <a:extLst>
               <a:ext uri="{FF2B5EF4-FFF2-40B4-BE49-F238E27FC236}">
-                <a16:creationId xmlns:a16="http://schemas.microsoft.com/office/drawing/2014/main" id="{1BC0E553-CB76-2A61-2CFD-3B5AF480934F}"/>
+                <a16:creationId xmlns:a16="http://schemas.microsoft.com/office/drawing/2014/main" id="{D58907CD-B0A0-404C-0C4F-8A77184EF863}"/>
               </a:ext>
             </a:extLst>
           </p:cNvPr>
@@ -1659,7 +1659,7 @@
           <p:cNvPr id="5" name="文本占位符 4">
             <a:extLst>
               <a:ext uri="{FF2B5EF4-FFF2-40B4-BE49-F238E27FC236}">
-                <a16:creationId xmlns:a16="http://schemas.microsoft.com/office/drawing/2014/main" id="{5BFC90D3-DD0F-6337-1410-FD54243227B6}"/>
+                <a16:creationId xmlns:a16="http://schemas.microsoft.com/office/drawing/2014/main" id="{894DA247-D031-E046-79E2-C0E8205A0D34}"/>
               </a:ext>
             </a:extLst>
           </p:cNvPr>
@@ -1730,7 +1730,7 @@
           <p:cNvPr id="6" name="内容占位符 5">
             <a:extLst>
               <a:ext uri="{FF2B5EF4-FFF2-40B4-BE49-F238E27FC236}">
-                <a16:creationId xmlns:a16="http://schemas.microsoft.com/office/drawing/2014/main" id="{46604939-EE24-3AE1-884C-F765B2ACD429}"/>
+                <a16:creationId xmlns:a16="http://schemas.microsoft.com/office/drawing/2014/main" id="{FC542D44-7606-BDAD-F602-C32B9A0131F1}"/>
               </a:ext>
             </a:extLst>
           </p:cNvPr>
@@ -1792,7 +1792,7 @@
           <p:cNvPr id="7" name="日期占位符 6">
             <a:extLst>
               <a:ext uri="{FF2B5EF4-FFF2-40B4-BE49-F238E27FC236}">
-                <a16:creationId xmlns:a16="http://schemas.microsoft.com/office/drawing/2014/main" id="{4F088099-B770-7F47-2460-0E934B27535F}"/>
+                <a16:creationId xmlns:a16="http://schemas.microsoft.com/office/drawing/2014/main" id="{7E8711E3-CAAA-9F9D-B7CE-25AEBAA57B92}"/>
               </a:ext>
             </a:extLst>
           </p:cNvPr>
@@ -1808,7 +1808,7 @@
           <a:bodyPr/>
           <a:lstStyle/>
           <a:p>
-            <a:fld id="{CC195592-56F2-4950-B032-8A635D3BA43E}" type="datetimeFigureOut">
+            <a:fld id="{B83BAC58-4BE8-43CF-A2B4-D7A9BB066BAB}" type="datetimeFigureOut">
               <a:rPr lang="zh-CN" altLang="en-US" smtClean="0"/>
               <a:t>2024/3/10</a:t>
             </a:fld>
@@ -1821,7 +1821,7 @@
           <p:cNvPr id="8" name="页脚占位符 7">
             <a:extLst>
               <a:ext uri="{FF2B5EF4-FFF2-40B4-BE49-F238E27FC236}">
-                <a16:creationId xmlns:a16="http://schemas.microsoft.com/office/drawing/2014/main" id="{C74EF46E-5258-F0A7-CD57-74E1310CADAA}"/>
+                <a16:creationId xmlns:a16="http://schemas.microsoft.com/office/drawing/2014/main" id="{3FB338BB-B3B1-E539-9E0C-90853381E834}"/>
               </a:ext>
             </a:extLst>
           </p:cNvPr>
@@ -1846,7 +1846,7 @@
           <p:cNvPr id="9" name="灯片编号占位符 8">
             <a:extLst>
               <a:ext uri="{FF2B5EF4-FFF2-40B4-BE49-F238E27FC236}">
-                <a16:creationId xmlns:a16="http://schemas.microsoft.com/office/drawing/2014/main" id="{34309CCB-2C23-9A57-9FB3-8B049AD1A815}"/>
+                <a16:creationId xmlns:a16="http://schemas.microsoft.com/office/drawing/2014/main" id="{7060B44D-66D6-7D10-77CD-6E4CC6CE1E51}"/>
               </a:ext>
             </a:extLst>
           </p:cNvPr>
@@ -1862,7 +1862,7 @@
           <a:bodyPr/>
           <a:lstStyle/>
           <a:p>
-            <a:fld id="{89B7F488-8752-483A-883B-AD3FAFAEADA3}" type="slidenum">
+            <a:fld id="{C154C4CC-B7AF-4156-AC05-69D50C3C92A1}" type="slidenum">
               <a:rPr lang="zh-CN" altLang="en-US" smtClean="0"/>
               <a:t>‹#›</a:t>
             </a:fld>
@@ -1873,7 +1873,7 @@
     </p:spTree>
     <p:extLst>
       <p:ext uri="{BB962C8B-B14F-4D97-AF65-F5344CB8AC3E}">
-        <p14:creationId xmlns:p14="http://schemas.microsoft.com/office/powerpoint/2010/main" val="668031345"/>
+        <p14:creationId xmlns:p14="http://schemas.microsoft.com/office/powerpoint/2010/main" val="3743245543"/>
       </p:ext>
     </p:extLst>
   </p:cSld>
@@ -1905,7 +1905,7 @@
           <p:cNvPr id="2" name="标题 1">
             <a:extLst>
               <a:ext uri="{FF2B5EF4-FFF2-40B4-BE49-F238E27FC236}">
-                <a16:creationId xmlns:a16="http://schemas.microsoft.com/office/drawing/2014/main" id="{5FA43ECA-7715-0F13-57D5-282480C4CF70}"/>
+                <a16:creationId xmlns:a16="http://schemas.microsoft.com/office/drawing/2014/main" id="{64CC1534-D387-08B6-9A3A-32396B984D2B}"/>
               </a:ext>
             </a:extLst>
           </p:cNvPr>
@@ -1933,7 +1933,7 @@
           <p:cNvPr id="3" name="日期占位符 2">
             <a:extLst>
               <a:ext uri="{FF2B5EF4-FFF2-40B4-BE49-F238E27FC236}">
-                <a16:creationId xmlns:a16="http://schemas.microsoft.com/office/drawing/2014/main" id="{505FBA13-92CA-B294-B902-0E64D8CC49F1}"/>
+                <a16:creationId xmlns:a16="http://schemas.microsoft.com/office/drawing/2014/main" id="{AC34D113-F506-87CF-942D-62250CFF25FD}"/>
               </a:ext>
             </a:extLst>
           </p:cNvPr>
@@ -1949,7 +1949,7 @@
           <a:bodyPr/>
           <a:lstStyle/>
           <a:p>
-            <a:fld id="{CC195592-56F2-4950-B032-8A635D3BA43E}" type="datetimeFigureOut">
+            <a:fld id="{B83BAC58-4BE8-43CF-A2B4-D7A9BB066BAB}" type="datetimeFigureOut">
               <a:rPr lang="zh-CN" altLang="en-US" smtClean="0"/>
               <a:t>2024/3/10</a:t>
             </a:fld>
@@ -1962,7 +1962,7 @@
           <p:cNvPr id="4" name="页脚占位符 3">
             <a:extLst>
               <a:ext uri="{FF2B5EF4-FFF2-40B4-BE49-F238E27FC236}">
-                <a16:creationId xmlns:a16="http://schemas.microsoft.com/office/drawing/2014/main" id="{8324271C-6424-28D3-DEC0-CAACFFB48D94}"/>
+                <a16:creationId xmlns:a16="http://schemas.microsoft.com/office/drawing/2014/main" id="{501A32ED-D9B1-8933-8C47-64E369539D27}"/>
               </a:ext>
             </a:extLst>
           </p:cNvPr>
@@ -1987,7 +1987,7 @@
           <p:cNvPr id="5" name="灯片编号占位符 4">
             <a:extLst>
               <a:ext uri="{FF2B5EF4-FFF2-40B4-BE49-F238E27FC236}">
-                <a16:creationId xmlns:a16="http://schemas.microsoft.com/office/drawing/2014/main" id="{5A14CCC9-F5B4-91F0-B4FE-F8738D14D240}"/>
+                <a16:creationId xmlns:a16="http://schemas.microsoft.com/office/drawing/2014/main" id="{6122EE17-706F-5D51-BD0D-06915698684B}"/>
               </a:ext>
             </a:extLst>
           </p:cNvPr>
@@ -2003,7 +2003,7 @@
           <a:bodyPr/>
           <a:lstStyle/>
           <a:p>
-            <a:fld id="{89B7F488-8752-483A-883B-AD3FAFAEADA3}" type="slidenum">
+            <a:fld id="{C154C4CC-B7AF-4156-AC05-69D50C3C92A1}" type="slidenum">
               <a:rPr lang="zh-CN" altLang="en-US" smtClean="0"/>
               <a:t>‹#›</a:t>
             </a:fld>
@@ -2014,7 +2014,7 @@
     </p:spTree>
     <p:extLst>
       <p:ext uri="{BB962C8B-B14F-4D97-AF65-F5344CB8AC3E}">
-        <p14:creationId xmlns:p14="http://schemas.microsoft.com/office/powerpoint/2010/main" val="3157669080"/>
+        <p14:creationId xmlns:p14="http://schemas.microsoft.com/office/powerpoint/2010/main" val="1044221984"/>
       </p:ext>
     </p:extLst>
   </p:cSld>
@@ -2046,7 +2046,7 @@
           <p:cNvPr id="2" name="日期占位符 1">
             <a:extLst>
               <a:ext uri="{FF2B5EF4-FFF2-40B4-BE49-F238E27FC236}">
-                <a16:creationId xmlns:a16="http://schemas.microsoft.com/office/drawing/2014/main" id="{76B73B01-3C51-77D8-1EEB-C86044608452}"/>
+                <a16:creationId xmlns:a16="http://schemas.microsoft.com/office/drawing/2014/main" id="{BFC27209-6FEA-7680-C00C-5B994DF07596}"/>
               </a:ext>
             </a:extLst>
           </p:cNvPr>
@@ -2062,7 +2062,7 @@
           <a:bodyPr/>
           <a:lstStyle/>
           <a:p>
-            <a:fld id="{CC195592-56F2-4950-B032-8A635D3BA43E}" type="datetimeFigureOut">
+            <a:fld id="{B83BAC58-4BE8-43CF-A2B4-D7A9BB066BAB}" type="datetimeFigureOut">
               <a:rPr lang="zh-CN" altLang="en-US" smtClean="0"/>
               <a:t>2024/3/10</a:t>
             </a:fld>
@@ -2075,7 +2075,7 @@
           <p:cNvPr id="3" name="页脚占位符 2">
             <a:extLst>
               <a:ext uri="{FF2B5EF4-FFF2-40B4-BE49-F238E27FC236}">
-                <a16:creationId xmlns:a16="http://schemas.microsoft.com/office/drawing/2014/main" id="{F10C1892-3BAE-B366-9742-B114B16AF9D8}"/>
+                <a16:creationId xmlns:a16="http://schemas.microsoft.com/office/drawing/2014/main" id="{11ECFD19-9ACE-74DE-EB30-BDC74AF0800D}"/>
               </a:ext>
             </a:extLst>
           </p:cNvPr>
@@ -2100,7 +2100,7 @@
           <p:cNvPr id="4" name="灯片编号占位符 3">
             <a:extLst>
               <a:ext uri="{FF2B5EF4-FFF2-40B4-BE49-F238E27FC236}">
-                <a16:creationId xmlns:a16="http://schemas.microsoft.com/office/drawing/2014/main" id="{C323B04B-AA4D-AB0C-6971-15C05260FF7D}"/>
+                <a16:creationId xmlns:a16="http://schemas.microsoft.com/office/drawing/2014/main" id="{CB8A7A9B-D597-7A0C-BCC4-DC3C04FCE96E}"/>
               </a:ext>
             </a:extLst>
           </p:cNvPr>
@@ -2116,7 +2116,7 @@
           <a:bodyPr/>
           <a:lstStyle/>
           <a:p>
-            <a:fld id="{89B7F488-8752-483A-883B-AD3FAFAEADA3}" type="slidenum">
+            <a:fld id="{C154C4CC-B7AF-4156-AC05-69D50C3C92A1}" type="slidenum">
               <a:rPr lang="zh-CN" altLang="en-US" smtClean="0"/>
               <a:t>‹#›</a:t>
             </a:fld>
@@ -2127,7 +2127,7 @@
     </p:spTree>
     <p:extLst>
       <p:ext uri="{BB962C8B-B14F-4D97-AF65-F5344CB8AC3E}">
-        <p14:creationId xmlns:p14="http://schemas.microsoft.com/office/powerpoint/2010/main" val="2179608854"/>
+        <p14:creationId xmlns:p14="http://schemas.microsoft.com/office/powerpoint/2010/main" val="1763713384"/>
       </p:ext>
     </p:extLst>
   </p:cSld>
@@ -2159,7 +2159,7 @@
           <p:cNvPr id="2" name="标题 1">
             <a:extLst>
               <a:ext uri="{FF2B5EF4-FFF2-40B4-BE49-F238E27FC236}">
-                <a16:creationId xmlns:a16="http://schemas.microsoft.com/office/drawing/2014/main" id="{76A8F68B-47B1-C2FD-EEB8-BA333AAAA2A1}"/>
+                <a16:creationId xmlns:a16="http://schemas.microsoft.com/office/drawing/2014/main" id="{2536D4F2-379C-DEBE-05A1-4688E44226EB}"/>
               </a:ext>
             </a:extLst>
           </p:cNvPr>
@@ -2196,7 +2196,7 @@
           <p:cNvPr id="3" name="内容占位符 2">
             <a:extLst>
               <a:ext uri="{FF2B5EF4-FFF2-40B4-BE49-F238E27FC236}">
-                <a16:creationId xmlns:a16="http://schemas.microsoft.com/office/drawing/2014/main" id="{9139BB3F-5514-7C40-EF04-77F0B20219B3}"/>
+                <a16:creationId xmlns:a16="http://schemas.microsoft.com/office/drawing/2014/main" id="{DE90629D-13A4-49C7-6EC6-10AB5A5B131E}"/>
               </a:ext>
             </a:extLst>
           </p:cNvPr>
@@ -2286,7 +2286,7 @@
           <p:cNvPr id="4" name="文本占位符 3">
             <a:extLst>
               <a:ext uri="{FF2B5EF4-FFF2-40B4-BE49-F238E27FC236}">
-                <a16:creationId xmlns:a16="http://schemas.microsoft.com/office/drawing/2014/main" id="{17140D3E-73FB-A39C-CAE3-6AA2AEBB8A9C}"/>
+                <a16:creationId xmlns:a16="http://schemas.microsoft.com/office/drawing/2014/main" id="{512F7609-1725-4901-5C1F-23FD069E1CC0}"/>
               </a:ext>
             </a:extLst>
           </p:cNvPr>
@@ -2357,7 +2357,7 @@
           <p:cNvPr id="5" name="日期占位符 4">
             <a:extLst>
               <a:ext uri="{FF2B5EF4-FFF2-40B4-BE49-F238E27FC236}">
-                <a16:creationId xmlns:a16="http://schemas.microsoft.com/office/drawing/2014/main" id="{083F062A-8F8B-841C-6FB9-849871CF6EDB}"/>
+                <a16:creationId xmlns:a16="http://schemas.microsoft.com/office/drawing/2014/main" id="{C13EA455-3225-EEC2-F74C-C8EAB5DF3769}"/>
               </a:ext>
             </a:extLst>
           </p:cNvPr>
@@ -2373,7 +2373,7 @@
           <a:bodyPr/>
           <a:lstStyle/>
           <a:p>
-            <a:fld id="{CC195592-56F2-4950-B032-8A635D3BA43E}" type="datetimeFigureOut">
+            <a:fld id="{B83BAC58-4BE8-43CF-A2B4-D7A9BB066BAB}" type="datetimeFigureOut">
               <a:rPr lang="zh-CN" altLang="en-US" smtClean="0"/>
               <a:t>2024/3/10</a:t>
             </a:fld>
@@ -2386,7 +2386,7 @@
           <p:cNvPr id="6" name="页脚占位符 5">
             <a:extLst>
               <a:ext uri="{FF2B5EF4-FFF2-40B4-BE49-F238E27FC236}">
-                <a16:creationId xmlns:a16="http://schemas.microsoft.com/office/drawing/2014/main" id="{4CB58940-1992-DED2-3EF6-951CA5023FDA}"/>
+                <a16:creationId xmlns:a16="http://schemas.microsoft.com/office/drawing/2014/main" id="{46C19030-6357-349A-8931-3F268806D051}"/>
               </a:ext>
             </a:extLst>
           </p:cNvPr>
@@ -2411,7 +2411,7 @@
           <p:cNvPr id="7" name="灯片编号占位符 6">
             <a:extLst>
               <a:ext uri="{FF2B5EF4-FFF2-40B4-BE49-F238E27FC236}">
-                <a16:creationId xmlns:a16="http://schemas.microsoft.com/office/drawing/2014/main" id="{6716AA2A-E34C-2FFD-4C11-ACACDC422EFD}"/>
+                <a16:creationId xmlns:a16="http://schemas.microsoft.com/office/drawing/2014/main" id="{9665FB00-7DEF-4648-D204-8B5460AF9CCE}"/>
               </a:ext>
             </a:extLst>
           </p:cNvPr>
@@ -2427,7 +2427,7 @@
           <a:bodyPr/>
           <a:lstStyle/>
           <a:p>
-            <a:fld id="{89B7F488-8752-483A-883B-AD3FAFAEADA3}" type="slidenum">
+            <a:fld id="{C154C4CC-B7AF-4156-AC05-69D50C3C92A1}" type="slidenum">
               <a:rPr lang="zh-CN" altLang="en-US" smtClean="0"/>
               <a:t>‹#›</a:t>
             </a:fld>
@@ -2438,7 +2438,7 @@
     </p:spTree>
     <p:extLst>
       <p:ext uri="{BB962C8B-B14F-4D97-AF65-F5344CB8AC3E}">
-        <p14:creationId xmlns:p14="http://schemas.microsoft.com/office/powerpoint/2010/main" val="2569865317"/>
+        <p14:creationId xmlns:p14="http://schemas.microsoft.com/office/powerpoint/2010/main" val="656140306"/>
       </p:ext>
     </p:extLst>
   </p:cSld>
@@ -2470,7 +2470,7 @@
           <p:cNvPr id="2" name="标题 1">
             <a:extLst>
               <a:ext uri="{FF2B5EF4-FFF2-40B4-BE49-F238E27FC236}">
-                <a16:creationId xmlns:a16="http://schemas.microsoft.com/office/drawing/2014/main" id="{68725582-7B87-9BEC-17D8-4F19F4F441D0}"/>
+                <a16:creationId xmlns:a16="http://schemas.microsoft.com/office/drawing/2014/main" id="{FA452880-DED0-8424-B074-915C0251BFCD}"/>
               </a:ext>
             </a:extLst>
           </p:cNvPr>
@@ -2507,7 +2507,7 @@
           <p:cNvPr id="3" name="图片占位符 2">
             <a:extLst>
               <a:ext uri="{FF2B5EF4-FFF2-40B4-BE49-F238E27FC236}">
-                <a16:creationId xmlns:a16="http://schemas.microsoft.com/office/drawing/2014/main" id="{27431F26-AA6B-DEAF-52F6-082FBE939E28}"/>
+                <a16:creationId xmlns:a16="http://schemas.microsoft.com/office/drawing/2014/main" id="{1660B6EA-BD71-420C-5244-3505D0645A2A}"/>
               </a:ext>
             </a:extLst>
           </p:cNvPr>
@@ -2574,7 +2574,7 @@
           <p:cNvPr id="4" name="文本占位符 3">
             <a:extLst>
               <a:ext uri="{FF2B5EF4-FFF2-40B4-BE49-F238E27FC236}">
-                <a16:creationId xmlns:a16="http://schemas.microsoft.com/office/drawing/2014/main" id="{12CBBC49-A6B9-28A5-CA20-2349E39245BC}"/>
+                <a16:creationId xmlns:a16="http://schemas.microsoft.com/office/drawing/2014/main" id="{336A3089-59B9-8644-E4C1-D826A84FB0BD}"/>
               </a:ext>
             </a:extLst>
           </p:cNvPr>
@@ -2645,7 +2645,7 @@
           <p:cNvPr id="5" name="日期占位符 4">
             <a:extLst>
               <a:ext uri="{FF2B5EF4-FFF2-40B4-BE49-F238E27FC236}">
-                <a16:creationId xmlns:a16="http://schemas.microsoft.com/office/drawing/2014/main" id="{14411718-1DD2-6FD4-3B85-BA7573F02274}"/>
+                <a16:creationId xmlns:a16="http://schemas.microsoft.com/office/drawing/2014/main" id="{332DB9B8-8BDE-23F4-45B2-5FFD0434ADD2}"/>
               </a:ext>
             </a:extLst>
           </p:cNvPr>
@@ -2661,7 +2661,7 @@
           <a:bodyPr/>
           <a:lstStyle/>
           <a:p>
-            <a:fld id="{CC195592-56F2-4950-B032-8A635D3BA43E}" type="datetimeFigureOut">
+            <a:fld id="{B83BAC58-4BE8-43CF-A2B4-D7A9BB066BAB}" type="datetimeFigureOut">
               <a:rPr lang="zh-CN" altLang="en-US" smtClean="0"/>
               <a:t>2024/3/10</a:t>
             </a:fld>
@@ -2674,7 +2674,7 @@
           <p:cNvPr id="6" name="页脚占位符 5">
             <a:extLst>
               <a:ext uri="{FF2B5EF4-FFF2-40B4-BE49-F238E27FC236}">
-                <a16:creationId xmlns:a16="http://schemas.microsoft.com/office/drawing/2014/main" id="{F82C9DAA-10CD-936E-5CD0-160DFFBA3942}"/>
+                <a16:creationId xmlns:a16="http://schemas.microsoft.com/office/drawing/2014/main" id="{E6868C75-D3DA-BFD4-2856-5B005E45E3C3}"/>
               </a:ext>
             </a:extLst>
           </p:cNvPr>
@@ -2699,7 +2699,7 @@
           <p:cNvPr id="7" name="灯片编号占位符 6">
             <a:extLst>
               <a:ext uri="{FF2B5EF4-FFF2-40B4-BE49-F238E27FC236}">
-                <a16:creationId xmlns:a16="http://schemas.microsoft.com/office/drawing/2014/main" id="{831BFE6A-AC64-63EE-AE28-B4ED85381104}"/>
+                <a16:creationId xmlns:a16="http://schemas.microsoft.com/office/drawing/2014/main" id="{ECB78492-46C5-1505-4728-548D0BE99385}"/>
               </a:ext>
             </a:extLst>
           </p:cNvPr>
@@ -2715,7 +2715,7 @@
           <a:bodyPr/>
           <a:lstStyle/>
           <a:p>
-            <a:fld id="{89B7F488-8752-483A-883B-AD3FAFAEADA3}" type="slidenum">
+            <a:fld id="{C154C4CC-B7AF-4156-AC05-69D50C3C92A1}" type="slidenum">
               <a:rPr lang="zh-CN" altLang="en-US" smtClean="0"/>
               <a:t>‹#›</a:t>
             </a:fld>
@@ -2726,7 +2726,7 @@
     </p:spTree>
     <p:extLst>
       <p:ext uri="{BB962C8B-B14F-4D97-AF65-F5344CB8AC3E}">
-        <p14:creationId xmlns:p14="http://schemas.microsoft.com/office/powerpoint/2010/main" val="531717818"/>
+        <p14:creationId xmlns:p14="http://schemas.microsoft.com/office/powerpoint/2010/main" val="344101762"/>
       </p:ext>
     </p:extLst>
   </p:cSld>
@@ -2763,7 +2763,7 @@
           <p:cNvPr id="2" name="标题占位符 1">
             <a:extLst>
               <a:ext uri="{FF2B5EF4-FFF2-40B4-BE49-F238E27FC236}">
-                <a16:creationId xmlns:a16="http://schemas.microsoft.com/office/drawing/2014/main" id="{FCC33366-8630-4147-E28C-700FED5E0CF9}"/>
+                <a16:creationId xmlns:a16="http://schemas.microsoft.com/office/drawing/2014/main" id="{9E7099C4-BF9C-811D-E9FA-08C7BEFBDC92}"/>
               </a:ext>
             </a:extLst>
           </p:cNvPr>
@@ -2801,7 +2801,7 @@
           <p:cNvPr id="3" name="文本占位符 2">
             <a:extLst>
               <a:ext uri="{FF2B5EF4-FFF2-40B4-BE49-F238E27FC236}">
-                <a16:creationId xmlns:a16="http://schemas.microsoft.com/office/drawing/2014/main" id="{B1E1830E-56E8-6D4E-A7DD-58B0926127C6}"/>
+                <a16:creationId xmlns:a16="http://schemas.microsoft.com/office/drawing/2014/main" id="{4ED1D1FB-9E8A-1AE6-ED11-15517D8A2A28}"/>
               </a:ext>
             </a:extLst>
           </p:cNvPr>
@@ -2868,7 +2868,7 @@
           <p:cNvPr id="4" name="日期占位符 3">
             <a:extLst>
               <a:ext uri="{FF2B5EF4-FFF2-40B4-BE49-F238E27FC236}">
-                <a16:creationId xmlns:a16="http://schemas.microsoft.com/office/drawing/2014/main" id="{0F287E29-00B5-258E-F688-601CFD55390E}"/>
+                <a16:creationId xmlns:a16="http://schemas.microsoft.com/office/drawing/2014/main" id="{835F43DF-8A3F-5A02-9EBF-64D0484DBC3C}"/>
               </a:ext>
             </a:extLst>
           </p:cNvPr>
@@ -2902,7 +2902,7 @@
             </a:lvl1pPr>
           </a:lstStyle>
           <a:p>
-            <a:fld id="{CC195592-56F2-4950-B032-8A635D3BA43E}" type="datetimeFigureOut">
+            <a:fld id="{B83BAC58-4BE8-43CF-A2B4-D7A9BB066BAB}" type="datetimeFigureOut">
               <a:rPr lang="zh-CN" altLang="en-US" smtClean="0"/>
               <a:t>2024/3/10</a:t>
             </a:fld>
@@ -2915,7 +2915,7 @@
           <p:cNvPr id="5" name="页脚占位符 4">
             <a:extLst>
               <a:ext uri="{FF2B5EF4-FFF2-40B4-BE49-F238E27FC236}">
-                <a16:creationId xmlns:a16="http://schemas.microsoft.com/office/drawing/2014/main" id="{9CB48D8E-91A8-0A1F-82A5-D229BAFFD029}"/>
+                <a16:creationId xmlns:a16="http://schemas.microsoft.com/office/drawing/2014/main" id="{435EF4D7-AA6F-AF0C-085F-F343E89B9DA1}"/>
               </a:ext>
             </a:extLst>
           </p:cNvPr>
@@ -2958,7 +2958,7 @@
           <p:cNvPr id="6" name="灯片编号占位符 5">
             <a:extLst>
               <a:ext uri="{FF2B5EF4-FFF2-40B4-BE49-F238E27FC236}">
-                <a16:creationId xmlns:a16="http://schemas.microsoft.com/office/drawing/2014/main" id="{7E2B6B27-A711-1685-20D6-9930D25EF878}"/>
+                <a16:creationId xmlns:a16="http://schemas.microsoft.com/office/drawing/2014/main" id="{F6BA43CE-487C-8AF8-9FD3-7213392A4755}"/>
               </a:ext>
             </a:extLst>
           </p:cNvPr>
@@ -2992,7 +2992,7 @@
             </a:lvl1pPr>
           </a:lstStyle>
           <a:p>
-            <a:fld id="{89B7F488-8752-483A-883B-AD3FAFAEADA3}" type="slidenum">
+            <a:fld id="{C154C4CC-B7AF-4156-AC05-69D50C3C92A1}" type="slidenum">
               <a:rPr lang="zh-CN" altLang="en-US" smtClean="0"/>
               <a:t>‹#›</a:t>
             </a:fld>
@@ -3003,7 +3003,7 @@
     </p:spTree>
     <p:extLst>
       <p:ext uri="{BB962C8B-B14F-4D97-AF65-F5344CB8AC3E}">
-        <p14:creationId xmlns:p14="http://schemas.microsoft.com/office/powerpoint/2010/main" val="3260350310"/>
+        <p14:creationId xmlns:p14="http://schemas.microsoft.com/office/powerpoint/2010/main" val="3098528564"/>
       </p:ext>
     </p:extLst>
   </p:cSld>
